--- a/AI_Kheti_Sathi.pptx
+++ b/AI_Kheti_Sathi.pptx
@@ -213,7 +213,7 @@
           <a:p>
             <a:fld id="{46256A78-79A6-408F-8148-4F87BB81602D}" type="datetimeFigureOut">
               <a:rPr lang="en-IN" smtClean="0"/>
-              <a:t>03-08-2025</a:t>
+              <a:t>09-08-2025</a:t>
             </a:fld>
             <a:endParaRPr lang="en-IN"/>
           </a:p>
@@ -717,7 +717,7 @@
           <a:p>
             <a:fld id="{ED291B17-9318-49DB-B28B-6E5994AE9581}" type="datetime1">
               <a:rPr lang="en-US" smtClean="0"/>
-              <a:t>8/3/2025</a:t>
+              <a:t>8/9/2025</a:t>
             </a:fld>
             <a:endParaRPr lang="en-US"/>
           </a:p>
@@ -926,7 +926,7 @@
           <a:p>
             <a:fld id="{2CED4963-E985-44C4-B8C4-FDD613B7C2F8}" type="datetime1">
               <a:rPr lang="en-US" smtClean="0"/>
-              <a:t>8/3/2025</a:t>
+              <a:t>8/9/2025</a:t>
             </a:fld>
             <a:endParaRPr lang="en-US"/>
           </a:p>
@@ -1294,7 +1294,7 @@
           <a:p>
             <a:fld id="{ED291B17-9318-49DB-B28B-6E5994AE9581}" type="datetime1">
               <a:rPr lang="en-US" smtClean="0"/>
-              <a:t>8/3/2025</a:t>
+              <a:t>8/9/2025</a:t>
             </a:fld>
             <a:endParaRPr lang="en-US"/>
           </a:p>
@@ -1498,7 +1498,7 @@
           <a:p>
             <a:fld id="{78DD82B9-B8EE-4375-B6FF-88FA6ABB15D9}" type="datetime1">
               <a:rPr lang="en-US" smtClean="0"/>
-              <a:t>8/3/2025</a:t>
+              <a:t>8/9/2025</a:t>
             </a:fld>
             <a:endParaRPr lang="en-US"/>
           </a:p>
@@ -1755,7 +1755,7 @@
           <a:p>
             <a:fld id="{B2497495-0637-405E-AE64-5CC7506D51F5}" type="datetime1">
               <a:rPr lang="en-US" smtClean="0"/>
-              <a:t>8/3/2025</a:t>
+              <a:t>8/9/2025</a:t>
             </a:fld>
             <a:endParaRPr lang="en-US"/>
           </a:p>
@@ -2013,7 +2013,7 @@
           <a:p>
             <a:fld id="{7BFFD690-9426-415D-8B65-26881E07B2D4}" type="datetime1">
               <a:rPr lang="en-US" smtClean="0"/>
-              <a:t>8/3/2025</a:t>
+              <a:t>8/9/2025</a:t>
             </a:fld>
             <a:endParaRPr lang="en-US"/>
           </a:p>
@@ -2440,7 +2440,7 @@
           <a:p>
             <a:fld id="{04C4989A-474C-40DE-95B9-011C28B71673}" type="datetime1">
               <a:rPr lang="en-US" smtClean="0"/>
-              <a:t>8/3/2025</a:t>
+              <a:t>8/9/2025</a:t>
             </a:fld>
             <a:endParaRPr lang="en-US"/>
           </a:p>
@@ -2570,7 +2570,7 @@
           <a:p>
             <a:fld id="{5DB4ED54-5B5E-4A04-93D3-5772E3CE3818}" type="datetime1">
               <a:rPr lang="en-US" smtClean="0"/>
-              <a:t>8/3/2025</a:t>
+              <a:t>8/9/2025</a:t>
             </a:fld>
             <a:endParaRPr lang="en-US"/>
           </a:p>
@@ -2673,7 +2673,7 @@
           <a:p>
             <a:fld id="{4EDE50D6-574B-40AF-946F-D52A04ADE379}" type="datetime1">
               <a:rPr lang="en-US" smtClean="0"/>
-              <a:t>8/3/2025</a:t>
+              <a:t>8/9/2025</a:t>
             </a:fld>
             <a:endParaRPr lang="en-US"/>
           </a:p>
@@ -3056,7 +3056,7 @@
           <a:p>
             <a:fld id="{D82884F1-FFEA-405F-9602-3DCA865EDA4E}" type="datetime1">
               <a:rPr lang="en-US" smtClean="0"/>
-              <a:t>8/3/2025</a:t>
+              <a:t>8/9/2025</a:t>
             </a:fld>
             <a:endParaRPr lang="en-US"/>
           </a:p>
@@ -3350,7 +3350,7 @@
           <a:p>
             <a:fld id="{7E18DB4A-8810-4A10-AD5C-D5E2C667F5B3}" type="datetime1">
               <a:rPr lang="en-US" smtClean="0"/>
-              <a:t>8/3/2025</a:t>
+              <a:t>8/9/2025</a:t>
             </a:fld>
             <a:endParaRPr lang="en-US"/>
           </a:p>
@@ -3571,7 +3571,7 @@
           <a:p>
             <a:fld id="{ED291B17-9318-49DB-B28B-6E5994AE9581}" type="datetime1">
               <a:rPr lang="en-US" smtClean="0"/>
-              <a:t>8/3/2025</a:t>
+              <a:t>8/9/2025</a:t>
             </a:fld>
             <a:endParaRPr lang="en-US"/>
           </a:p>
@@ -4439,8 +4439,8 @@
         </p:blipFill>
         <p:spPr>
           <a:xfrm>
-            <a:off x="5193312" y="618067"/>
-            <a:ext cx="5908345" cy="5621866"/>
+            <a:off x="481354" y="1336528"/>
+            <a:ext cx="4501194" cy="4588414"/>
           </a:xfrm>
           <a:prstGeom prst="rect">
             <a:avLst/>
@@ -4479,6 +4479,37 @@
           </a:p>
         </p:txBody>
       </p:sp>
+      <p:pic>
+        <p:nvPicPr>
+          <p:cNvPr id="5" name="Picture 4">
+            <a:extLst>
+              <a:ext uri="{FF2B5EF4-FFF2-40B4-BE49-F238E27FC236}">
+                <a16:creationId xmlns:a16="http://schemas.microsoft.com/office/drawing/2014/main" id="{129A817F-3674-8539-A09F-BE1B72B52B04}"/>
+              </a:ext>
+            </a:extLst>
+          </p:cNvPr>
+          <p:cNvPicPr>
+            <a:picLocks noChangeAspect="1"/>
+          </p:cNvPicPr>
+          <p:nvPr/>
+        </p:nvPicPr>
+        <p:blipFill>
+          <a:blip r:embed="rId3"/>
+          <a:srcRect l="51735" t="6262" r="1734"/>
+          <a:stretch>
+            <a:fillRect/>
+          </a:stretch>
+        </p:blipFill>
+        <p:spPr>
+          <a:xfrm>
+            <a:off x="6307494" y="1232451"/>
+            <a:ext cx="5673012" cy="4707611"/>
+          </a:xfrm>
+          <a:prstGeom prst="rect">
+            <a:avLst/>
+          </a:prstGeom>
+        </p:spPr>
+      </p:pic>
     </p:spTree>
     <p:extLst>
       <p:ext uri="{BB962C8B-B14F-4D97-AF65-F5344CB8AC3E}">
@@ -6684,8 +6715,8 @@
         </p:blipFill>
         <p:spPr>
           <a:xfrm>
-            <a:off x="5185538" y="618066"/>
-            <a:ext cx="5908345" cy="5598157"/>
+            <a:off x="734836" y="1464907"/>
+            <a:ext cx="4546291" cy="4546043"/>
           </a:xfrm>
           <a:prstGeom prst="rect">
             <a:avLst/>
@@ -6724,6 +6755,37 @@
           </a:p>
         </p:txBody>
       </p:sp>
+      <p:pic>
+        <p:nvPicPr>
+          <p:cNvPr id="4" name="Picture 3">
+            <a:extLst>
+              <a:ext uri="{FF2B5EF4-FFF2-40B4-BE49-F238E27FC236}">
+                <a16:creationId xmlns:a16="http://schemas.microsoft.com/office/drawing/2014/main" id="{D7DFCD02-FD1A-AAB7-82E4-B8730A7CA987}"/>
+              </a:ext>
+            </a:extLst>
+          </p:cNvPr>
+          <p:cNvPicPr>
+            <a:picLocks noChangeAspect="1"/>
+          </p:cNvPicPr>
+          <p:nvPr/>
+        </p:nvPicPr>
+        <p:blipFill>
+          <a:blip r:embed="rId3"/>
+          <a:srcRect l="51888" t="8080"/>
+          <a:stretch>
+            <a:fillRect/>
+          </a:stretch>
+        </p:blipFill>
+        <p:spPr>
+          <a:xfrm>
+            <a:off x="6566469" y="1464906"/>
+            <a:ext cx="4546291" cy="4546043"/>
+          </a:xfrm>
+          <a:prstGeom prst="rect">
+            <a:avLst/>
+          </a:prstGeom>
+        </p:spPr>
+      </p:pic>
     </p:spTree>
     <p:extLst>
       <p:ext uri="{BB962C8B-B14F-4D97-AF65-F5344CB8AC3E}">
@@ -7302,6 +7364,23 @@
 </file>
 
 <file path=customXml/item1.xml><?xml version="1.0" encoding="utf-8"?>
+<?mso-contentType ?>
+<FormTemplates xmlns="http://schemas.microsoft.com/sharepoint/v3/contenttype/forms">
+  <Display>DocumentLibraryForm</Display>
+  <Edit>DocumentLibraryForm</Edit>
+  <New>DocumentLibraryForm</New>
+</FormTemplates>
+</file>
+
+<file path=customXml/item2.xml><?xml version="1.0" encoding="utf-8"?>
+<p:properties xmlns:p="http://schemas.microsoft.com/office/2006/metadata/properties" xmlns:xsi="http://www.w3.org/2001/XMLSchema-instance" xmlns:pc="http://schemas.microsoft.com/office/infopath/2007/PartnerControls">
+  <documentManagement>
+    <_activity xmlns="b30265f8-c5e2-4918-b4a1-b977299ca3e2" xsi:nil="true"/>
+  </documentManagement>
+</p:properties>
+</file>
+
+<file path=customXml/item3.xml><?xml version="1.0" encoding="utf-8"?>
 <ct:contentTypeSchema xmlns:ct="http://schemas.microsoft.com/office/2006/metadata/contentType" xmlns:ma="http://schemas.microsoft.com/office/2006/metadata/properties/metaAttributes" ct:_="" ma:_="" ma:contentTypeName="Document" ma:contentTypeID="0x0101007F0268AC5E70984D8FE60B7154176407" ma:contentTypeVersion="15" ma:contentTypeDescription="Create a new document." ma:contentTypeScope="" ma:versionID="104e359103f0f57b1cf9676756e5b944">
   <xsd:schema xmlns:xsd="http://www.w3.org/2001/XMLSchema" xmlns:xs="http://www.w3.org/2001/XMLSchema" xmlns:p="http://schemas.microsoft.com/office/2006/metadata/properties" xmlns:ns3="b30265f8-c5e2-4918-b4a1-b977299ca3e2" xmlns:ns4="fadb41d3-f9cb-40fb-903c-8cacaba95bb5" targetNamespace="http://schemas.microsoft.com/office/2006/metadata/properties" ma:root="true" ma:fieldsID="5615b8f8aa772998bad551f24a33de0e" ns3:_="" ns4:_="">
     <xsd:import namespace="b30265f8-c5e2-4918-b4a1-b977299ca3e2"/>
@@ -7534,38 +7613,10 @@
 </ct:contentTypeSchema>
 </file>
 
-<file path=customXml/item2.xml><?xml version="1.0" encoding="utf-8"?>
-<p:properties xmlns:p="http://schemas.microsoft.com/office/2006/metadata/properties" xmlns:xsi="http://www.w3.org/2001/XMLSchema-instance" xmlns:pc="http://schemas.microsoft.com/office/infopath/2007/PartnerControls">
-  <documentManagement>
-    <_activity xmlns="b30265f8-c5e2-4918-b4a1-b977299ca3e2" xsi:nil="true"/>
-  </documentManagement>
-</p:properties>
-</file>
-
-<file path=customXml/item3.xml><?xml version="1.0" encoding="utf-8"?>
-<?mso-contentType ?>
-<FormTemplates xmlns="http://schemas.microsoft.com/sharepoint/v3/contenttype/forms">
-  <Display>DocumentLibraryForm</Display>
-  <Edit>DocumentLibraryForm</Edit>
-  <New>DocumentLibraryForm</New>
-</FormTemplates>
-</file>
-
 <file path=customXml/itemProps1.xml><?xml version="1.0" encoding="utf-8"?>
-<ds:datastoreItem xmlns:ds="http://schemas.openxmlformats.org/officeDocument/2006/customXml" ds:itemID="{9DD71778-17EE-4151-88AE-C8F4E8043BD9}">
+<ds:datastoreItem xmlns:ds="http://schemas.openxmlformats.org/officeDocument/2006/customXml" ds:itemID="{927BD4C1-B6B1-4715-ABF9-E660A51A4EA0}">
   <ds:schemaRefs>
-    <ds:schemaRef ds:uri="http://schemas.microsoft.com/office/2006/metadata/contentType"/>
-    <ds:schemaRef ds:uri="http://schemas.microsoft.com/office/2006/metadata/properties/metaAttributes"/>
-    <ds:schemaRef ds:uri="http://www.w3.org/2001/XMLSchema"/>
-    <ds:schemaRef ds:uri="http://schemas.microsoft.com/office/2006/metadata/properties"/>
-    <ds:schemaRef ds:uri="b30265f8-c5e2-4918-b4a1-b977299ca3e2"/>
-    <ds:schemaRef ds:uri="fadb41d3-f9cb-40fb-903c-8cacaba95bb5"/>
-    <ds:schemaRef ds:uri="http://schemas.microsoft.com/office/2006/documentManagement/types"/>
-    <ds:schemaRef ds:uri="http://schemas.microsoft.com/office/infopath/2007/PartnerControls"/>
-    <ds:schemaRef ds:uri="http://schemas.openxmlformats.org/package/2006/metadata/core-properties"/>
-    <ds:schemaRef ds:uri="http://purl.org/dc/elements/1.1/"/>
-    <ds:schemaRef ds:uri="http://purl.org/dc/terms/"/>
-    <ds:schemaRef ds:uri="http://schemas.microsoft.com/internal/obd"/>
+    <ds:schemaRef ds:uri="http://schemas.microsoft.com/sharepoint/v3/contenttype/forms"/>
   </ds:schemaRefs>
 </ds:datastoreItem>
 </file>
@@ -7588,9 +7639,20 @@
 </file>
 
 <file path=customXml/itemProps3.xml><?xml version="1.0" encoding="utf-8"?>
-<ds:datastoreItem xmlns:ds="http://schemas.openxmlformats.org/officeDocument/2006/customXml" ds:itemID="{927BD4C1-B6B1-4715-ABF9-E660A51A4EA0}">
+<ds:datastoreItem xmlns:ds="http://schemas.openxmlformats.org/officeDocument/2006/customXml" ds:itemID="{9DD71778-17EE-4151-88AE-C8F4E8043BD9}">
   <ds:schemaRefs>
-    <ds:schemaRef ds:uri="http://schemas.microsoft.com/sharepoint/v3/contenttype/forms"/>
+    <ds:schemaRef ds:uri="http://schemas.microsoft.com/office/2006/metadata/contentType"/>
+    <ds:schemaRef ds:uri="http://schemas.microsoft.com/office/2006/metadata/properties/metaAttributes"/>
+    <ds:schemaRef ds:uri="http://www.w3.org/2001/XMLSchema"/>
+    <ds:schemaRef ds:uri="http://schemas.microsoft.com/office/2006/metadata/properties"/>
+    <ds:schemaRef ds:uri="b30265f8-c5e2-4918-b4a1-b977299ca3e2"/>
+    <ds:schemaRef ds:uri="fadb41d3-f9cb-40fb-903c-8cacaba95bb5"/>
+    <ds:schemaRef ds:uri="http://schemas.microsoft.com/office/2006/documentManagement/types"/>
+    <ds:schemaRef ds:uri="http://schemas.microsoft.com/office/infopath/2007/PartnerControls"/>
+    <ds:schemaRef ds:uri="http://schemas.openxmlformats.org/package/2006/metadata/core-properties"/>
+    <ds:schemaRef ds:uri="http://purl.org/dc/elements/1.1/"/>
+    <ds:schemaRef ds:uri="http://purl.org/dc/terms/"/>
+    <ds:schemaRef ds:uri="http://schemas.microsoft.com/internal/obd"/>
   </ds:schemaRefs>
 </ds:datastoreItem>
 </file>